--- a/ppt 16-9/0887.合一之路.pptx
+++ b/ppt 16-9/0887.合一之路.pptx
@@ -5,7 +5,7 @@
     <p:sldMasterId id="2147483648" r:id="rId1"/>
   </p:sldMasterIdLst>
   <p:sldIdLst>
-    <p:sldId id="2202" r:id="rId2"/>
+    <p:sldId id="2203" r:id="rId2"/>
   </p:sldIdLst>
   <p:sldSz cx="12192000" cy="6858000"/>
   <p:notesSz cx="6858000" cy="9144000"/>
@@ -129,7 +129,7 @@
           <p:cNvPr id="2" name="标题 1">
             <a:extLst>
               <a:ext uri="{FF2B5EF4-FFF2-40B4-BE49-F238E27FC236}">
-                <a16:creationId xmlns:a16="http://schemas.microsoft.com/office/drawing/2014/main" id="{B322568E-9BA5-6966-20D2-1F6E21A1D17C}"/>
+                <a16:creationId xmlns:a16="http://schemas.microsoft.com/office/drawing/2014/main" id="{4FD8B3E5-3558-A2EA-B9D1-B01E2C02A19B}"/>
               </a:ext>
             </a:extLst>
           </p:cNvPr>
@@ -166,7 +166,7 @@
           <p:cNvPr id="3" name="副标题 2">
             <a:extLst>
               <a:ext uri="{FF2B5EF4-FFF2-40B4-BE49-F238E27FC236}">
-                <a16:creationId xmlns:a16="http://schemas.microsoft.com/office/drawing/2014/main" id="{05002854-DF7D-23D2-8443-4814F11D9EE3}"/>
+                <a16:creationId xmlns:a16="http://schemas.microsoft.com/office/drawing/2014/main" id="{1F25B1DA-BF5F-B119-0E2B-FE649AC7B8D4}"/>
               </a:ext>
             </a:extLst>
           </p:cNvPr>
@@ -236,7 +236,7 @@
           <p:cNvPr id="4" name="日期占位符 3">
             <a:extLst>
               <a:ext uri="{FF2B5EF4-FFF2-40B4-BE49-F238E27FC236}">
-                <a16:creationId xmlns:a16="http://schemas.microsoft.com/office/drawing/2014/main" id="{AE3C8878-DD20-639B-58FB-8DC4E96FF3FA}"/>
+                <a16:creationId xmlns:a16="http://schemas.microsoft.com/office/drawing/2014/main" id="{ED735BAA-125F-BADB-14B8-06265D1492E2}"/>
               </a:ext>
             </a:extLst>
           </p:cNvPr>
@@ -252,7 +252,7 @@
           <a:bodyPr/>
           <a:lstStyle/>
           <a:p>
-            <a:fld id="{C2E9AC2F-6F9E-4387-97F7-2AE0B2FA3F77}" type="datetimeFigureOut">
+            <a:fld id="{2BCDAB6A-76CE-48D8-9F5A-EE7801253394}" type="datetimeFigureOut">
               <a:rPr lang="zh-CN" altLang="en-US" smtClean="0"/>
               <a:t>2024/3/10</a:t>
             </a:fld>
@@ -265,7 +265,7 @@
           <p:cNvPr id="5" name="页脚占位符 4">
             <a:extLst>
               <a:ext uri="{FF2B5EF4-FFF2-40B4-BE49-F238E27FC236}">
-                <a16:creationId xmlns:a16="http://schemas.microsoft.com/office/drawing/2014/main" id="{BFAC9A64-DD56-5A76-0CB4-49A300D967EB}"/>
+                <a16:creationId xmlns:a16="http://schemas.microsoft.com/office/drawing/2014/main" id="{8E4F20F7-E2F2-6CAB-64B6-CE0832296387}"/>
               </a:ext>
             </a:extLst>
           </p:cNvPr>
@@ -290,7 +290,7 @@
           <p:cNvPr id="6" name="灯片编号占位符 5">
             <a:extLst>
               <a:ext uri="{FF2B5EF4-FFF2-40B4-BE49-F238E27FC236}">
-                <a16:creationId xmlns:a16="http://schemas.microsoft.com/office/drawing/2014/main" id="{3C062CA2-0EA7-B4C0-F6B2-28E0CBCDF4A0}"/>
+                <a16:creationId xmlns:a16="http://schemas.microsoft.com/office/drawing/2014/main" id="{795185E2-3937-7534-46F8-E59CEC01C1C9}"/>
               </a:ext>
             </a:extLst>
           </p:cNvPr>
@@ -306,7 +306,7 @@
           <a:bodyPr/>
           <a:lstStyle/>
           <a:p>
-            <a:fld id="{0EE971F3-A2DE-4889-B5D9-911CA0B71ADE}" type="slidenum">
+            <a:fld id="{AAA73837-63BE-4CA3-A8AF-A1E253169A41}" type="slidenum">
               <a:rPr lang="zh-CN" altLang="en-US" smtClean="0"/>
               <a:t>‹#›</a:t>
             </a:fld>
@@ -317,7 +317,7 @@
     </p:spTree>
     <p:extLst>
       <p:ext uri="{BB962C8B-B14F-4D97-AF65-F5344CB8AC3E}">
-        <p14:creationId xmlns:p14="http://schemas.microsoft.com/office/powerpoint/2010/main" val="2720426852"/>
+        <p14:creationId xmlns:p14="http://schemas.microsoft.com/office/powerpoint/2010/main" val="1397910819"/>
       </p:ext>
     </p:extLst>
   </p:cSld>
@@ -349,7 +349,7 @@
           <p:cNvPr id="2" name="标题 1">
             <a:extLst>
               <a:ext uri="{FF2B5EF4-FFF2-40B4-BE49-F238E27FC236}">
-                <a16:creationId xmlns:a16="http://schemas.microsoft.com/office/drawing/2014/main" id="{54275FA9-8E73-88BD-1384-1A98C95A4D27}"/>
+                <a16:creationId xmlns:a16="http://schemas.microsoft.com/office/drawing/2014/main" id="{9BC43B66-F687-0FCC-DFDB-1BBBDCEA9E6D}"/>
               </a:ext>
             </a:extLst>
           </p:cNvPr>
@@ -377,7 +377,7 @@
           <p:cNvPr id="3" name="竖排文字占位符 2">
             <a:extLst>
               <a:ext uri="{FF2B5EF4-FFF2-40B4-BE49-F238E27FC236}">
-                <a16:creationId xmlns:a16="http://schemas.microsoft.com/office/drawing/2014/main" id="{0DEC59E9-C3F7-5460-4F23-18A0DE1332A7}"/>
+                <a16:creationId xmlns:a16="http://schemas.microsoft.com/office/drawing/2014/main" id="{329227DC-996C-E83B-790A-50A9842ED127}"/>
               </a:ext>
             </a:extLst>
           </p:cNvPr>
@@ -434,7 +434,7 @@
           <p:cNvPr id="4" name="日期占位符 3">
             <a:extLst>
               <a:ext uri="{FF2B5EF4-FFF2-40B4-BE49-F238E27FC236}">
-                <a16:creationId xmlns:a16="http://schemas.microsoft.com/office/drawing/2014/main" id="{A964F407-6DBB-9633-2EB3-2B5CB900DDEF}"/>
+                <a16:creationId xmlns:a16="http://schemas.microsoft.com/office/drawing/2014/main" id="{CD3C41F3-AC8E-658B-5451-DA2AD36B9908}"/>
               </a:ext>
             </a:extLst>
           </p:cNvPr>
@@ -450,7 +450,7 @@
           <a:bodyPr/>
           <a:lstStyle/>
           <a:p>
-            <a:fld id="{C2E9AC2F-6F9E-4387-97F7-2AE0B2FA3F77}" type="datetimeFigureOut">
+            <a:fld id="{2BCDAB6A-76CE-48D8-9F5A-EE7801253394}" type="datetimeFigureOut">
               <a:rPr lang="zh-CN" altLang="en-US" smtClean="0"/>
               <a:t>2024/3/10</a:t>
             </a:fld>
@@ -463,7 +463,7 @@
           <p:cNvPr id="5" name="页脚占位符 4">
             <a:extLst>
               <a:ext uri="{FF2B5EF4-FFF2-40B4-BE49-F238E27FC236}">
-                <a16:creationId xmlns:a16="http://schemas.microsoft.com/office/drawing/2014/main" id="{54DAF8D4-60B9-D7D0-1A20-38AB8D21FB4E}"/>
+                <a16:creationId xmlns:a16="http://schemas.microsoft.com/office/drawing/2014/main" id="{3716470A-ADB1-CEAF-6408-6D76E13097CA}"/>
               </a:ext>
             </a:extLst>
           </p:cNvPr>
@@ -488,7 +488,7 @@
           <p:cNvPr id="6" name="灯片编号占位符 5">
             <a:extLst>
               <a:ext uri="{FF2B5EF4-FFF2-40B4-BE49-F238E27FC236}">
-                <a16:creationId xmlns:a16="http://schemas.microsoft.com/office/drawing/2014/main" id="{6E1E63D9-3028-B9DC-5356-0220F5C0245D}"/>
+                <a16:creationId xmlns:a16="http://schemas.microsoft.com/office/drawing/2014/main" id="{8EA43F1B-E5FF-9B9F-2380-A97EE900180C}"/>
               </a:ext>
             </a:extLst>
           </p:cNvPr>
@@ -504,7 +504,7 @@
           <a:bodyPr/>
           <a:lstStyle/>
           <a:p>
-            <a:fld id="{0EE971F3-A2DE-4889-B5D9-911CA0B71ADE}" type="slidenum">
+            <a:fld id="{AAA73837-63BE-4CA3-A8AF-A1E253169A41}" type="slidenum">
               <a:rPr lang="zh-CN" altLang="en-US" smtClean="0"/>
               <a:t>‹#›</a:t>
             </a:fld>
@@ -515,7 +515,7 @@
     </p:spTree>
     <p:extLst>
       <p:ext uri="{BB962C8B-B14F-4D97-AF65-F5344CB8AC3E}">
-        <p14:creationId xmlns:p14="http://schemas.microsoft.com/office/powerpoint/2010/main" val="2903166350"/>
+        <p14:creationId xmlns:p14="http://schemas.microsoft.com/office/powerpoint/2010/main" val="1127652231"/>
       </p:ext>
     </p:extLst>
   </p:cSld>
@@ -547,7 +547,7 @@
           <p:cNvPr id="2" name="竖排标题 1">
             <a:extLst>
               <a:ext uri="{FF2B5EF4-FFF2-40B4-BE49-F238E27FC236}">
-                <a16:creationId xmlns:a16="http://schemas.microsoft.com/office/drawing/2014/main" id="{BD77C907-7BEF-7226-695C-62E376C1E1E7}"/>
+                <a16:creationId xmlns:a16="http://schemas.microsoft.com/office/drawing/2014/main" id="{6B98055F-11A1-6001-52CC-82050396197A}"/>
               </a:ext>
             </a:extLst>
           </p:cNvPr>
@@ -580,7 +580,7 @@
           <p:cNvPr id="3" name="竖排文字占位符 2">
             <a:extLst>
               <a:ext uri="{FF2B5EF4-FFF2-40B4-BE49-F238E27FC236}">
-                <a16:creationId xmlns:a16="http://schemas.microsoft.com/office/drawing/2014/main" id="{2D706C48-FC26-1743-FF19-518BB682FF02}"/>
+                <a16:creationId xmlns:a16="http://schemas.microsoft.com/office/drawing/2014/main" id="{BEC5B15F-51DF-E900-731B-9CD1A4F5CBCE}"/>
               </a:ext>
             </a:extLst>
           </p:cNvPr>
@@ -642,7 +642,7 @@
           <p:cNvPr id="4" name="日期占位符 3">
             <a:extLst>
               <a:ext uri="{FF2B5EF4-FFF2-40B4-BE49-F238E27FC236}">
-                <a16:creationId xmlns:a16="http://schemas.microsoft.com/office/drawing/2014/main" id="{FEC4EC0F-AE6D-A208-8A1F-14E6D18AF699}"/>
+                <a16:creationId xmlns:a16="http://schemas.microsoft.com/office/drawing/2014/main" id="{F2A7B09A-63FF-0793-260F-56979EF3733C}"/>
               </a:ext>
             </a:extLst>
           </p:cNvPr>
@@ -658,7 +658,7 @@
           <a:bodyPr/>
           <a:lstStyle/>
           <a:p>
-            <a:fld id="{C2E9AC2F-6F9E-4387-97F7-2AE0B2FA3F77}" type="datetimeFigureOut">
+            <a:fld id="{2BCDAB6A-76CE-48D8-9F5A-EE7801253394}" type="datetimeFigureOut">
               <a:rPr lang="zh-CN" altLang="en-US" smtClean="0"/>
               <a:t>2024/3/10</a:t>
             </a:fld>
@@ -671,7 +671,7 @@
           <p:cNvPr id="5" name="页脚占位符 4">
             <a:extLst>
               <a:ext uri="{FF2B5EF4-FFF2-40B4-BE49-F238E27FC236}">
-                <a16:creationId xmlns:a16="http://schemas.microsoft.com/office/drawing/2014/main" id="{AEA7F2B0-F636-8D09-39B3-3A667F5E0C6D}"/>
+                <a16:creationId xmlns:a16="http://schemas.microsoft.com/office/drawing/2014/main" id="{0D9B1FFF-B243-2EA0-50E3-E2CB559F0B3C}"/>
               </a:ext>
             </a:extLst>
           </p:cNvPr>
@@ -696,7 +696,7 @@
           <p:cNvPr id="6" name="灯片编号占位符 5">
             <a:extLst>
               <a:ext uri="{FF2B5EF4-FFF2-40B4-BE49-F238E27FC236}">
-                <a16:creationId xmlns:a16="http://schemas.microsoft.com/office/drawing/2014/main" id="{7738682E-FC1C-0CE9-885F-9BD9554E85E1}"/>
+                <a16:creationId xmlns:a16="http://schemas.microsoft.com/office/drawing/2014/main" id="{1841C13D-63DA-2015-BE3D-F160DEC0637D}"/>
               </a:ext>
             </a:extLst>
           </p:cNvPr>
@@ -712,7 +712,7 @@
           <a:bodyPr/>
           <a:lstStyle/>
           <a:p>
-            <a:fld id="{0EE971F3-A2DE-4889-B5D9-911CA0B71ADE}" type="slidenum">
+            <a:fld id="{AAA73837-63BE-4CA3-A8AF-A1E253169A41}" type="slidenum">
               <a:rPr lang="zh-CN" altLang="en-US" smtClean="0"/>
               <a:t>‹#›</a:t>
             </a:fld>
@@ -723,7 +723,7 @@
     </p:spTree>
     <p:extLst>
       <p:ext uri="{BB962C8B-B14F-4D97-AF65-F5344CB8AC3E}">
-        <p14:creationId xmlns:p14="http://schemas.microsoft.com/office/powerpoint/2010/main" val="1666556007"/>
+        <p14:creationId xmlns:p14="http://schemas.microsoft.com/office/powerpoint/2010/main" val="3041162474"/>
       </p:ext>
     </p:extLst>
   </p:cSld>
@@ -755,7 +755,7 @@
           <p:cNvPr id="2" name="标题 1">
             <a:extLst>
               <a:ext uri="{FF2B5EF4-FFF2-40B4-BE49-F238E27FC236}">
-                <a16:creationId xmlns:a16="http://schemas.microsoft.com/office/drawing/2014/main" id="{91D35A31-EE14-78EA-7D96-D8A5CE530ECE}"/>
+                <a16:creationId xmlns:a16="http://schemas.microsoft.com/office/drawing/2014/main" id="{9EFDE9E0-B780-41A5-438A-2B3416AE7E93}"/>
               </a:ext>
             </a:extLst>
           </p:cNvPr>
@@ -783,7 +783,7 @@
           <p:cNvPr id="3" name="内容占位符 2">
             <a:extLst>
               <a:ext uri="{FF2B5EF4-FFF2-40B4-BE49-F238E27FC236}">
-                <a16:creationId xmlns:a16="http://schemas.microsoft.com/office/drawing/2014/main" id="{333709E6-2C73-ACF7-8F45-3194AD59CCC2}"/>
+                <a16:creationId xmlns:a16="http://schemas.microsoft.com/office/drawing/2014/main" id="{376B2F91-3AFC-5EDE-424B-E420BF094894}"/>
               </a:ext>
             </a:extLst>
           </p:cNvPr>
@@ -840,7 +840,7 @@
           <p:cNvPr id="4" name="日期占位符 3">
             <a:extLst>
               <a:ext uri="{FF2B5EF4-FFF2-40B4-BE49-F238E27FC236}">
-                <a16:creationId xmlns:a16="http://schemas.microsoft.com/office/drawing/2014/main" id="{3BF80723-F92A-68C4-273F-346A17B4B611}"/>
+                <a16:creationId xmlns:a16="http://schemas.microsoft.com/office/drawing/2014/main" id="{2466BFC6-8BE6-FDA1-7694-18047BE2F416}"/>
               </a:ext>
             </a:extLst>
           </p:cNvPr>
@@ -856,7 +856,7 @@
           <a:bodyPr/>
           <a:lstStyle/>
           <a:p>
-            <a:fld id="{C2E9AC2F-6F9E-4387-97F7-2AE0B2FA3F77}" type="datetimeFigureOut">
+            <a:fld id="{2BCDAB6A-76CE-48D8-9F5A-EE7801253394}" type="datetimeFigureOut">
               <a:rPr lang="zh-CN" altLang="en-US" smtClean="0"/>
               <a:t>2024/3/10</a:t>
             </a:fld>
@@ -869,7 +869,7 @@
           <p:cNvPr id="5" name="页脚占位符 4">
             <a:extLst>
               <a:ext uri="{FF2B5EF4-FFF2-40B4-BE49-F238E27FC236}">
-                <a16:creationId xmlns:a16="http://schemas.microsoft.com/office/drawing/2014/main" id="{67D5EFA9-4386-AD87-F588-68A6529135C7}"/>
+                <a16:creationId xmlns:a16="http://schemas.microsoft.com/office/drawing/2014/main" id="{D1FE659F-5AA3-FE9D-C684-8EA904979311}"/>
               </a:ext>
             </a:extLst>
           </p:cNvPr>
@@ -894,7 +894,7 @@
           <p:cNvPr id="6" name="灯片编号占位符 5">
             <a:extLst>
               <a:ext uri="{FF2B5EF4-FFF2-40B4-BE49-F238E27FC236}">
-                <a16:creationId xmlns:a16="http://schemas.microsoft.com/office/drawing/2014/main" id="{4666C124-4F4A-2205-AC34-93DB85F3C650}"/>
+                <a16:creationId xmlns:a16="http://schemas.microsoft.com/office/drawing/2014/main" id="{8801ED12-9FE4-9559-5725-026506B1B966}"/>
               </a:ext>
             </a:extLst>
           </p:cNvPr>
@@ -910,7 +910,7 @@
           <a:bodyPr/>
           <a:lstStyle/>
           <a:p>
-            <a:fld id="{0EE971F3-A2DE-4889-B5D9-911CA0B71ADE}" type="slidenum">
+            <a:fld id="{AAA73837-63BE-4CA3-A8AF-A1E253169A41}" type="slidenum">
               <a:rPr lang="zh-CN" altLang="en-US" smtClean="0"/>
               <a:t>‹#›</a:t>
             </a:fld>
@@ -921,7 +921,7 @@
     </p:spTree>
     <p:extLst>
       <p:ext uri="{BB962C8B-B14F-4D97-AF65-F5344CB8AC3E}">
-        <p14:creationId xmlns:p14="http://schemas.microsoft.com/office/powerpoint/2010/main" val="899631224"/>
+        <p14:creationId xmlns:p14="http://schemas.microsoft.com/office/powerpoint/2010/main" val="928941171"/>
       </p:ext>
     </p:extLst>
   </p:cSld>
@@ -953,7 +953,7 @@
           <p:cNvPr id="2" name="标题 1">
             <a:extLst>
               <a:ext uri="{FF2B5EF4-FFF2-40B4-BE49-F238E27FC236}">
-                <a16:creationId xmlns:a16="http://schemas.microsoft.com/office/drawing/2014/main" id="{A3768E47-A6FC-AF40-4205-5F37B56C3796}"/>
+                <a16:creationId xmlns:a16="http://schemas.microsoft.com/office/drawing/2014/main" id="{FA66428D-C890-3EBF-46A4-657D4F7F5F4B}"/>
               </a:ext>
             </a:extLst>
           </p:cNvPr>
@@ -990,7 +990,7 @@
           <p:cNvPr id="3" name="文本占位符 2">
             <a:extLst>
               <a:ext uri="{FF2B5EF4-FFF2-40B4-BE49-F238E27FC236}">
-                <a16:creationId xmlns:a16="http://schemas.microsoft.com/office/drawing/2014/main" id="{9EAE2D98-BDEA-BF52-46C5-1287D263075D}"/>
+                <a16:creationId xmlns:a16="http://schemas.microsoft.com/office/drawing/2014/main" id="{F65B65DF-C877-9027-E3C2-782CD39EE7A8}"/>
               </a:ext>
             </a:extLst>
           </p:cNvPr>
@@ -1115,7 +1115,7 @@
           <p:cNvPr id="4" name="日期占位符 3">
             <a:extLst>
               <a:ext uri="{FF2B5EF4-FFF2-40B4-BE49-F238E27FC236}">
-                <a16:creationId xmlns:a16="http://schemas.microsoft.com/office/drawing/2014/main" id="{76CA3BF5-DB3A-B9BB-60AF-317EABE1F2E4}"/>
+                <a16:creationId xmlns:a16="http://schemas.microsoft.com/office/drawing/2014/main" id="{D379F729-B1ED-8058-6925-3E73EFD39029}"/>
               </a:ext>
             </a:extLst>
           </p:cNvPr>
@@ -1131,7 +1131,7 @@
           <a:bodyPr/>
           <a:lstStyle/>
           <a:p>
-            <a:fld id="{C2E9AC2F-6F9E-4387-97F7-2AE0B2FA3F77}" type="datetimeFigureOut">
+            <a:fld id="{2BCDAB6A-76CE-48D8-9F5A-EE7801253394}" type="datetimeFigureOut">
               <a:rPr lang="zh-CN" altLang="en-US" smtClean="0"/>
               <a:t>2024/3/10</a:t>
             </a:fld>
@@ -1144,7 +1144,7 @@
           <p:cNvPr id="5" name="页脚占位符 4">
             <a:extLst>
               <a:ext uri="{FF2B5EF4-FFF2-40B4-BE49-F238E27FC236}">
-                <a16:creationId xmlns:a16="http://schemas.microsoft.com/office/drawing/2014/main" id="{E08E6EB0-74E0-B611-D5F3-D231BDC7DA63}"/>
+                <a16:creationId xmlns:a16="http://schemas.microsoft.com/office/drawing/2014/main" id="{739AF589-7345-3E2D-381F-8CD28BF1C1F0}"/>
               </a:ext>
             </a:extLst>
           </p:cNvPr>
@@ -1169,7 +1169,7 @@
           <p:cNvPr id="6" name="灯片编号占位符 5">
             <a:extLst>
               <a:ext uri="{FF2B5EF4-FFF2-40B4-BE49-F238E27FC236}">
-                <a16:creationId xmlns:a16="http://schemas.microsoft.com/office/drawing/2014/main" id="{9C5FD277-5BA5-ACC7-9751-817A5A36AF21}"/>
+                <a16:creationId xmlns:a16="http://schemas.microsoft.com/office/drawing/2014/main" id="{49CE31D9-FC26-7B65-C9BD-D229601E67A7}"/>
               </a:ext>
             </a:extLst>
           </p:cNvPr>
@@ -1185,7 +1185,7 @@
           <a:bodyPr/>
           <a:lstStyle/>
           <a:p>
-            <a:fld id="{0EE971F3-A2DE-4889-B5D9-911CA0B71ADE}" type="slidenum">
+            <a:fld id="{AAA73837-63BE-4CA3-A8AF-A1E253169A41}" type="slidenum">
               <a:rPr lang="zh-CN" altLang="en-US" smtClean="0"/>
               <a:t>‹#›</a:t>
             </a:fld>
@@ -1196,7 +1196,7 @@
     </p:spTree>
     <p:extLst>
       <p:ext uri="{BB962C8B-B14F-4D97-AF65-F5344CB8AC3E}">
-        <p14:creationId xmlns:p14="http://schemas.microsoft.com/office/powerpoint/2010/main" val="1890652944"/>
+        <p14:creationId xmlns:p14="http://schemas.microsoft.com/office/powerpoint/2010/main" val="979946460"/>
       </p:ext>
     </p:extLst>
   </p:cSld>
@@ -1228,7 +1228,7 @@
           <p:cNvPr id="2" name="标题 1">
             <a:extLst>
               <a:ext uri="{FF2B5EF4-FFF2-40B4-BE49-F238E27FC236}">
-                <a16:creationId xmlns:a16="http://schemas.microsoft.com/office/drawing/2014/main" id="{1A6C1757-AE43-30B0-1350-E87876A2955F}"/>
+                <a16:creationId xmlns:a16="http://schemas.microsoft.com/office/drawing/2014/main" id="{E51B08D2-25EC-A020-9DF8-F1CD07A48375}"/>
               </a:ext>
             </a:extLst>
           </p:cNvPr>
@@ -1256,7 +1256,7 @@
           <p:cNvPr id="3" name="内容占位符 2">
             <a:extLst>
               <a:ext uri="{FF2B5EF4-FFF2-40B4-BE49-F238E27FC236}">
-                <a16:creationId xmlns:a16="http://schemas.microsoft.com/office/drawing/2014/main" id="{1985E156-9C0E-CA58-760B-59D39A3E40C1}"/>
+                <a16:creationId xmlns:a16="http://schemas.microsoft.com/office/drawing/2014/main" id="{A6BFC697-8CED-BE4F-0B91-A655CD133A3A}"/>
               </a:ext>
             </a:extLst>
           </p:cNvPr>
@@ -1318,7 +1318,7 @@
           <p:cNvPr id="4" name="内容占位符 3">
             <a:extLst>
               <a:ext uri="{FF2B5EF4-FFF2-40B4-BE49-F238E27FC236}">
-                <a16:creationId xmlns:a16="http://schemas.microsoft.com/office/drawing/2014/main" id="{6683979A-F80A-EBBA-635B-7D8121451956}"/>
+                <a16:creationId xmlns:a16="http://schemas.microsoft.com/office/drawing/2014/main" id="{400F03D3-766A-15B5-90C7-DA17A95D8277}"/>
               </a:ext>
             </a:extLst>
           </p:cNvPr>
@@ -1380,7 +1380,7 @@
           <p:cNvPr id="5" name="日期占位符 4">
             <a:extLst>
               <a:ext uri="{FF2B5EF4-FFF2-40B4-BE49-F238E27FC236}">
-                <a16:creationId xmlns:a16="http://schemas.microsoft.com/office/drawing/2014/main" id="{6C8F7E3B-B593-1329-3937-6AAFD6BA7FA9}"/>
+                <a16:creationId xmlns:a16="http://schemas.microsoft.com/office/drawing/2014/main" id="{3195F5C4-B73F-6863-ED47-6DDB01676CAF}"/>
               </a:ext>
             </a:extLst>
           </p:cNvPr>
@@ -1396,7 +1396,7 @@
           <a:bodyPr/>
           <a:lstStyle/>
           <a:p>
-            <a:fld id="{C2E9AC2F-6F9E-4387-97F7-2AE0B2FA3F77}" type="datetimeFigureOut">
+            <a:fld id="{2BCDAB6A-76CE-48D8-9F5A-EE7801253394}" type="datetimeFigureOut">
               <a:rPr lang="zh-CN" altLang="en-US" smtClean="0"/>
               <a:t>2024/3/10</a:t>
             </a:fld>
@@ -1409,7 +1409,7 @@
           <p:cNvPr id="6" name="页脚占位符 5">
             <a:extLst>
               <a:ext uri="{FF2B5EF4-FFF2-40B4-BE49-F238E27FC236}">
-                <a16:creationId xmlns:a16="http://schemas.microsoft.com/office/drawing/2014/main" id="{E3EC6A5C-FC31-10D4-965D-ABC2B90BD7C4}"/>
+                <a16:creationId xmlns:a16="http://schemas.microsoft.com/office/drawing/2014/main" id="{126AB1EF-FE78-D4B6-3FD3-CB5649C815DE}"/>
               </a:ext>
             </a:extLst>
           </p:cNvPr>
@@ -1434,7 +1434,7 @@
           <p:cNvPr id="7" name="灯片编号占位符 6">
             <a:extLst>
               <a:ext uri="{FF2B5EF4-FFF2-40B4-BE49-F238E27FC236}">
-                <a16:creationId xmlns:a16="http://schemas.microsoft.com/office/drawing/2014/main" id="{7B5ECF9A-D58C-6039-49CC-4FB5E5D19DAD}"/>
+                <a16:creationId xmlns:a16="http://schemas.microsoft.com/office/drawing/2014/main" id="{920F7CFE-E674-5E62-7A8A-73F8CA235B68}"/>
               </a:ext>
             </a:extLst>
           </p:cNvPr>
@@ -1450,7 +1450,7 @@
           <a:bodyPr/>
           <a:lstStyle/>
           <a:p>
-            <a:fld id="{0EE971F3-A2DE-4889-B5D9-911CA0B71ADE}" type="slidenum">
+            <a:fld id="{AAA73837-63BE-4CA3-A8AF-A1E253169A41}" type="slidenum">
               <a:rPr lang="zh-CN" altLang="en-US" smtClean="0"/>
               <a:t>‹#›</a:t>
             </a:fld>
@@ -1461,7 +1461,7 @@
     </p:spTree>
     <p:extLst>
       <p:ext uri="{BB962C8B-B14F-4D97-AF65-F5344CB8AC3E}">
-        <p14:creationId xmlns:p14="http://schemas.microsoft.com/office/powerpoint/2010/main" val="1505122907"/>
+        <p14:creationId xmlns:p14="http://schemas.microsoft.com/office/powerpoint/2010/main" val="3775597626"/>
       </p:ext>
     </p:extLst>
   </p:cSld>
@@ -1493,7 +1493,7 @@
           <p:cNvPr id="2" name="标题 1">
             <a:extLst>
               <a:ext uri="{FF2B5EF4-FFF2-40B4-BE49-F238E27FC236}">
-                <a16:creationId xmlns:a16="http://schemas.microsoft.com/office/drawing/2014/main" id="{2E39DC75-45AF-4B76-168E-94BAB297BD80}"/>
+                <a16:creationId xmlns:a16="http://schemas.microsoft.com/office/drawing/2014/main" id="{F3DFEB1C-72C5-74A9-E51F-E3E3277AF97B}"/>
               </a:ext>
             </a:extLst>
           </p:cNvPr>
@@ -1526,7 +1526,7 @@
           <p:cNvPr id="3" name="文本占位符 2">
             <a:extLst>
               <a:ext uri="{FF2B5EF4-FFF2-40B4-BE49-F238E27FC236}">
-                <a16:creationId xmlns:a16="http://schemas.microsoft.com/office/drawing/2014/main" id="{81C58D61-65D5-BB48-1CB4-B09FEE147052}"/>
+                <a16:creationId xmlns:a16="http://schemas.microsoft.com/office/drawing/2014/main" id="{A5A5C740-CF83-4C06-7DFD-2466B927DC6B}"/>
               </a:ext>
             </a:extLst>
           </p:cNvPr>
@@ -1597,7 +1597,7 @@
           <p:cNvPr id="4" name="内容占位符 3">
             <a:extLst>
               <a:ext uri="{FF2B5EF4-FFF2-40B4-BE49-F238E27FC236}">
-                <a16:creationId xmlns:a16="http://schemas.microsoft.com/office/drawing/2014/main" id="{1BDE0486-F4E3-99A2-79C4-7578937AE4D3}"/>
+                <a16:creationId xmlns:a16="http://schemas.microsoft.com/office/drawing/2014/main" id="{37D50E8F-AEDB-311A-D0D1-EF2171B86870}"/>
               </a:ext>
             </a:extLst>
           </p:cNvPr>
@@ -1659,7 +1659,7 @@
           <p:cNvPr id="5" name="文本占位符 4">
             <a:extLst>
               <a:ext uri="{FF2B5EF4-FFF2-40B4-BE49-F238E27FC236}">
-                <a16:creationId xmlns:a16="http://schemas.microsoft.com/office/drawing/2014/main" id="{D81BA488-AFA2-B98F-388C-97A04CD87A9D}"/>
+                <a16:creationId xmlns:a16="http://schemas.microsoft.com/office/drawing/2014/main" id="{ACAB0E95-75DE-B8A5-E61F-1EDBA5B1BE7C}"/>
               </a:ext>
             </a:extLst>
           </p:cNvPr>
@@ -1730,7 +1730,7 @@
           <p:cNvPr id="6" name="内容占位符 5">
             <a:extLst>
               <a:ext uri="{FF2B5EF4-FFF2-40B4-BE49-F238E27FC236}">
-                <a16:creationId xmlns:a16="http://schemas.microsoft.com/office/drawing/2014/main" id="{C68D3A15-8CB6-C807-9BE7-2A8D04BAE9B7}"/>
+                <a16:creationId xmlns:a16="http://schemas.microsoft.com/office/drawing/2014/main" id="{6C9607B7-E02F-3D3D-CBCE-F55C9C390657}"/>
               </a:ext>
             </a:extLst>
           </p:cNvPr>
@@ -1792,7 +1792,7 @@
           <p:cNvPr id="7" name="日期占位符 6">
             <a:extLst>
               <a:ext uri="{FF2B5EF4-FFF2-40B4-BE49-F238E27FC236}">
-                <a16:creationId xmlns:a16="http://schemas.microsoft.com/office/drawing/2014/main" id="{75152C39-8857-106D-418B-DA9E10B69781}"/>
+                <a16:creationId xmlns:a16="http://schemas.microsoft.com/office/drawing/2014/main" id="{1F23D323-C710-67D5-8A02-57A49A52066A}"/>
               </a:ext>
             </a:extLst>
           </p:cNvPr>
@@ -1808,7 +1808,7 @@
           <a:bodyPr/>
           <a:lstStyle/>
           <a:p>
-            <a:fld id="{C2E9AC2F-6F9E-4387-97F7-2AE0B2FA3F77}" type="datetimeFigureOut">
+            <a:fld id="{2BCDAB6A-76CE-48D8-9F5A-EE7801253394}" type="datetimeFigureOut">
               <a:rPr lang="zh-CN" altLang="en-US" smtClean="0"/>
               <a:t>2024/3/10</a:t>
             </a:fld>
@@ -1821,7 +1821,7 @@
           <p:cNvPr id="8" name="页脚占位符 7">
             <a:extLst>
               <a:ext uri="{FF2B5EF4-FFF2-40B4-BE49-F238E27FC236}">
-                <a16:creationId xmlns:a16="http://schemas.microsoft.com/office/drawing/2014/main" id="{3789AB7D-EFAF-F419-26FC-0858C80AB107}"/>
+                <a16:creationId xmlns:a16="http://schemas.microsoft.com/office/drawing/2014/main" id="{6EEC168F-50F2-7AAC-65EF-DB8FB787FD36}"/>
               </a:ext>
             </a:extLst>
           </p:cNvPr>
@@ -1846,7 +1846,7 @@
           <p:cNvPr id="9" name="灯片编号占位符 8">
             <a:extLst>
               <a:ext uri="{FF2B5EF4-FFF2-40B4-BE49-F238E27FC236}">
-                <a16:creationId xmlns:a16="http://schemas.microsoft.com/office/drawing/2014/main" id="{959B1878-3A72-DDE0-DFC5-56EC6F78EB91}"/>
+                <a16:creationId xmlns:a16="http://schemas.microsoft.com/office/drawing/2014/main" id="{63012229-292A-55AD-AE3D-2F229F2B98FB}"/>
               </a:ext>
             </a:extLst>
           </p:cNvPr>
@@ -1862,7 +1862,7 @@
           <a:bodyPr/>
           <a:lstStyle/>
           <a:p>
-            <a:fld id="{0EE971F3-A2DE-4889-B5D9-911CA0B71ADE}" type="slidenum">
+            <a:fld id="{AAA73837-63BE-4CA3-A8AF-A1E253169A41}" type="slidenum">
               <a:rPr lang="zh-CN" altLang="en-US" smtClean="0"/>
               <a:t>‹#›</a:t>
             </a:fld>
@@ -1873,7 +1873,7 @@
     </p:spTree>
     <p:extLst>
       <p:ext uri="{BB962C8B-B14F-4D97-AF65-F5344CB8AC3E}">
-        <p14:creationId xmlns:p14="http://schemas.microsoft.com/office/powerpoint/2010/main" val="3143005751"/>
+        <p14:creationId xmlns:p14="http://schemas.microsoft.com/office/powerpoint/2010/main" val="3413167263"/>
       </p:ext>
     </p:extLst>
   </p:cSld>
@@ -1905,7 +1905,7 @@
           <p:cNvPr id="2" name="标题 1">
             <a:extLst>
               <a:ext uri="{FF2B5EF4-FFF2-40B4-BE49-F238E27FC236}">
-                <a16:creationId xmlns:a16="http://schemas.microsoft.com/office/drawing/2014/main" id="{9554A519-699E-6615-0773-0AED9B30D88F}"/>
+                <a16:creationId xmlns:a16="http://schemas.microsoft.com/office/drawing/2014/main" id="{DD203F28-94F5-838B-931E-26BA26DFB664}"/>
               </a:ext>
             </a:extLst>
           </p:cNvPr>
@@ -1933,7 +1933,7 @@
           <p:cNvPr id="3" name="日期占位符 2">
             <a:extLst>
               <a:ext uri="{FF2B5EF4-FFF2-40B4-BE49-F238E27FC236}">
-                <a16:creationId xmlns:a16="http://schemas.microsoft.com/office/drawing/2014/main" id="{EFF32735-BB65-AC39-2346-CCAEE7ABC4BC}"/>
+                <a16:creationId xmlns:a16="http://schemas.microsoft.com/office/drawing/2014/main" id="{A7A8E30C-9121-648F-E9F2-D17344605912}"/>
               </a:ext>
             </a:extLst>
           </p:cNvPr>
@@ -1949,7 +1949,7 @@
           <a:bodyPr/>
           <a:lstStyle/>
           <a:p>
-            <a:fld id="{C2E9AC2F-6F9E-4387-97F7-2AE0B2FA3F77}" type="datetimeFigureOut">
+            <a:fld id="{2BCDAB6A-76CE-48D8-9F5A-EE7801253394}" type="datetimeFigureOut">
               <a:rPr lang="zh-CN" altLang="en-US" smtClean="0"/>
               <a:t>2024/3/10</a:t>
             </a:fld>
@@ -1962,7 +1962,7 @@
           <p:cNvPr id="4" name="页脚占位符 3">
             <a:extLst>
               <a:ext uri="{FF2B5EF4-FFF2-40B4-BE49-F238E27FC236}">
-                <a16:creationId xmlns:a16="http://schemas.microsoft.com/office/drawing/2014/main" id="{3B174174-0DC5-50A5-098E-6BD6C71D75EC}"/>
+                <a16:creationId xmlns:a16="http://schemas.microsoft.com/office/drawing/2014/main" id="{A6832DB1-5AC4-00E2-8428-C91E753F035E}"/>
               </a:ext>
             </a:extLst>
           </p:cNvPr>
@@ -1987,7 +1987,7 @@
           <p:cNvPr id="5" name="灯片编号占位符 4">
             <a:extLst>
               <a:ext uri="{FF2B5EF4-FFF2-40B4-BE49-F238E27FC236}">
-                <a16:creationId xmlns:a16="http://schemas.microsoft.com/office/drawing/2014/main" id="{6BD6A412-732D-1910-9C8F-1EE3BCEB3664}"/>
+                <a16:creationId xmlns:a16="http://schemas.microsoft.com/office/drawing/2014/main" id="{6E6E103B-F08A-B7AB-737B-7293CBA4B7CF}"/>
               </a:ext>
             </a:extLst>
           </p:cNvPr>
@@ -2003,7 +2003,7 @@
           <a:bodyPr/>
           <a:lstStyle/>
           <a:p>
-            <a:fld id="{0EE971F3-A2DE-4889-B5D9-911CA0B71ADE}" type="slidenum">
+            <a:fld id="{AAA73837-63BE-4CA3-A8AF-A1E253169A41}" type="slidenum">
               <a:rPr lang="zh-CN" altLang="en-US" smtClean="0"/>
               <a:t>‹#›</a:t>
             </a:fld>
@@ -2014,7 +2014,7 @@
     </p:spTree>
     <p:extLst>
       <p:ext uri="{BB962C8B-B14F-4D97-AF65-F5344CB8AC3E}">
-        <p14:creationId xmlns:p14="http://schemas.microsoft.com/office/powerpoint/2010/main" val="287103342"/>
+        <p14:creationId xmlns:p14="http://schemas.microsoft.com/office/powerpoint/2010/main" val="427576949"/>
       </p:ext>
     </p:extLst>
   </p:cSld>
@@ -2046,7 +2046,7 @@
           <p:cNvPr id="2" name="日期占位符 1">
             <a:extLst>
               <a:ext uri="{FF2B5EF4-FFF2-40B4-BE49-F238E27FC236}">
-                <a16:creationId xmlns:a16="http://schemas.microsoft.com/office/drawing/2014/main" id="{76392F60-0EA0-2A53-857E-168F36D3AFC1}"/>
+                <a16:creationId xmlns:a16="http://schemas.microsoft.com/office/drawing/2014/main" id="{6D54A8BC-356D-95CB-9895-2104615F5DDB}"/>
               </a:ext>
             </a:extLst>
           </p:cNvPr>
@@ -2062,7 +2062,7 @@
           <a:bodyPr/>
           <a:lstStyle/>
           <a:p>
-            <a:fld id="{C2E9AC2F-6F9E-4387-97F7-2AE0B2FA3F77}" type="datetimeFigureOut">
+            <a:fld id="{2BCDAB6A-76CE-48D8-9F5A-EE7801253394}" type="datetimeFigureOut">
               <a:rPr lang="zh-CN" altLang="en-US" smtClean="0"/>
               <a:t>2024/3/10</a:t>
             </a:fld>
@@ -2075,7 +2075,7 @@
           <p:cNvPr id="3" name="页脚占位符 2">
             <a:extLst>
               <a:ext uri="{FF2B5EF4-FFF2-40B4-BE49-F238E27FC236}">
-                <a16:creationId xmlns:a16="http://schemas.microsoft.com/office/drawing/2014/main" id="{5155DE1C-35EE-B9D5-B55B-4ABA84F2A507}"/>
+                <a16:creationId xmlns:a16="http://schemas.microsoft.com/office/drawing/2014/main" id="{171A0E2E-2D58-EDED-4B19-E6009D257B82}"/>
               </a:ext>
             </a:extLst>
           </p:cNvPr>
@@ -2100,7 +2100,7 @@
           <p:cNvPr id="4" name="灯片编号占位符 3">
             <a:extLst>
               <a:ext uri="{FF2B5EF4-FFF2-40B4-BE49-F238E27FC236}">
-                <a16:creationId xmlns:a16="http://schemas.microsoft.com/office/drawing/2014/main" id="{30E63D05-121D-4D93-AFE3-D20FE2ABEB11}"/>
+                <a16:creationId xmlns:a16="http://schemas.microsoft.com/office/drawing/2014/main" id="{739EA132-5AAD-D3DE-32CA-E2126D934C01}"/>
               </a:ext>
             </a:extLst>
           </p:cNvPr>
@@ -2116,7 +2116,7 @@
           <a:bodyPr/>
           <a:lstStyle/>
           <a:p>
-            <a:fld id="{0EE971F3-A2DE-4889-B5D9-911CA0B71ADE}" type="slidenum">
+            <a:fld id="{AAA73837-63BE-4CA3-A8AF-A1E253169A41}" type="slidenum">
               <a:rPr lang="zh-CN" altLang="en-US" smtClean="0"/>
               <a:t>‹#›</a:t>
             </a:fld>
@@ -2127,7 +2127,7 @@
     </p:spTree>
     <p:extLst>
       <p:ext uri="{BB962C8B-B14F-4D97-AF65-F5344CB8AC3E}">
-        <p14:creationId xmlns:p14="http://schemas.microsoft.com/office/powerpoint/2010/main" val="2160464205"/>
+        <p14:creationId xmlns:p14="http://schemas.microsoft.com/office/powerpoint/2010/main" val="4024361584"/>
       </p:ext>
     </p:extLst>
   </p:cSld>
@@ -2159,7 +2159,7 @@
           <p:cNvPr id="2" name="标题 1">
             <a:extLst>
               <a:ext uri="{FF2B5EF4-FFF2-40B4-BE49-F238E27FC236}">
-                <a16:creationId xmlns:a16="http://schemas.microsoft.com/office/drawing/2014/main" id="{EDBD48E2-734D-146A-4300-8B79899AB8D3}"/>
+                <a16:creationId xmlns:a16="http://schemas.microsoft.com/office/drawing/2014/main" id="{9F1CD49E-46AD-D7BD-C564-4A75F7F5D160}"/>
               </a:ext>
             </a:extLst>
           </p:cNvPr>
@@ -2196,7 +2196,7 @@
           <p:cNvPr id="3" name="内容占位符 2">
             <a:extLst>
               <a:ext uri="{FF2B5EF4-FFF2-40B4-BE49-F238E27FC236}">
-                <a16:creationId xmlns:a16="http://schemas.microsoft.com/office/drawing/2014/main" id="{734AE402-150B-8F9A-7963-DD656F7B4432}"/>
+                <a16:creationId xmlns:a16="http://schemas.microsoft.com/office/drawing/2014/main" id="{72DE36AE-616E-2216-D559-826D1B7F8D4F}"/>
               </a:ext>
             </a:extLst>
           </p:cNvPr>
@@ -2286,7 +2286,7 @@
           <p:cNvPr id="4" name="文本占位符 3">
             <a:extLst>
               <a:ext uri="{FF2B5EF4-FFF2-40B4-BE49-F238E27FC236}">
-                <a16:creationId xmlns:a16="http://schemas.microsoft.com/office/drawing/2014/main" id="{8AE6E725-D30F-5120-44D4-76C093988156}"/>
+                <a16:creationId xmlns:a16="http://schemas.microsoft.com/office/drawing/2014/main" id="{475957E7-40B9-EFCB-4C33-91FB0F39AF4E}"/>
               </a:ext>
             </a:extLst>
           </p:cNvPr>
@@ -2357,7 +2357,7 @@
           <p:cNvPr id="5" name="日期占位符 4">
             <a:extLst>
               <a:ext uri="{FF2B5EF4-FFF2-40B4-BE49-F238E27FC236}">
-                <a16:creationId xmlns:a16="http://schemas.microsoft.com/office/drawing/2014/main" id="{D23C984B-8091-F0AF-412C-A13211FF83A6}"/>
+                <a16:creationId xmlns:a16="http://schemas.microsoft.com/office/drawing/2014/main" id="{2FF3ED62-46EA-A08F-8CE3-AF39D5433059}"/>
               </a:ext>
             </a:extLst>
           </p:cNvPr>
@@ -2373,7 +2373,7 @@
           <a:bodyPr/>
           <a:lstStyle/>
           <a:p>
-            <a:fld id="{C2E9AC2F-6F9E-4387-97F7-2AE0B2FA3F77}" type="datetimeFigureOut">
+            <a:fld id="{2BCDAB6A-76CE-48D8-9F5A-EE7801253394}" type="datetimeFigureOut">
               <a:rPr lang="zh-CN" altLang="en-US" smtClean="0"/>
               <a:t>2024/3/10</a:t>
             </a:fld>
@@ -2386,7 +2386,7 @@
           <p:cNvPr id="6" name="页脚占位符 5">
             <a:extLst>
               <a:ext uri="{FF2B5EF4-FFF2-40B4-BE49-F238E27FC236}">
-                <a16:creationId xmlns:a16="http://schemas.microsoft.com/office/drawing/2014/main" id="{0EEC4333-9DE0-9A16-C439-AFEFC8A5DE9C}"/>
+                <a16:creationId xmlns:a16="http://schemas.microsoft.com/office/drawing/2014/main" id="{C5D7EAEB-9BF5-707C-0C98-79416E5DE1B6}"/>
               </a:ext>
             </a:extLst>
           </p:cNvPr>
@@ -2411,7 +2411,7 @@
           <p:cNvPr id="7" name="灯片编号占位符 6">
             <a:extLst>
               <a:ext uri="{FF2B5EF4-FFF2-40B4-BE49-F238E27FC236}">
-                <a16:creationId xmlns:a16="http://schemas.microsoft.com/office/drawing/2014/main" id="{1EAF15C2-D678-57A8-3AB8-12F47E49F46A}"/>
+                <a16:creationId xmlns:a16="http://schemas.microsoft.com/office/drawing/2014/main" id="{B0667BAF-6CCE-BE55-E598-15522400F405}"/>
               </a:ext>
             </a:extLst>
           </p:cNvPr>
@@ -2427,7 +2427,7 @@
           <a:bodyPr/>
           <a:lstStyle/>
           <a:p>
-            <a:fld id="{0EE971F3-A2DE-4889-B5D9-911CA0B71ADE}" type="slidenum">
+            <a:fld id="{AAA73837-63BE-4CA3-A8AF-A1E253169A41}" type="slidenum">
               <a:rPr lang="zh-CN" altLang="en-US" smtClean="0"/>
               <a:t>‹#›</a:t>
             </a:fld>
@@ -2438,7 +2438,7 @@
     </p:spTree>
     <p:extLst>
       <p:ext uri="{BB962C8B-B14F-4D97-AF65-F5344CB8AC3E}">
-        <p14:creationId xmlns:p14="http://schemas.microsoft.com/office/powerpoint/2010/main" val="2099569638"/>
+        <p14:creationId xmlns:p14="http://schemas.microsoft.com/office/powerpoint/2010/main" val="3191235128"/>
       </p:ext>
     </p:extLst>
   </p:cSld>
@@ -2470,7 +2470,7 @@
           <p:cNvPr id="2" name="标题 1">
             <a:extLst>
               <a:ext uri="{FF2B5EF4-FFF2-40B4-BE49-F238E27FC236}">
-                <a16:creationId xmlns:a16="http://schemas.microsoft.com/office/drawing/2014/main" id="{361A74CD-C3C4-36BF-E9B3-35728EB82CB5}"/>
+                <a16:creationId xmlns:a16="http://schemas.microsoft.com/office/drawing/2014/main" id="{614C9946-E9BF-47FC-24FA-95914E7153D4}"/>
               </a:ext>
             </a:extLst>
           </p:cNvPr>
@@ -2507,7 +2507,7 @@
           <p:cNvPr id="3" name="图片占位符 2">
             <a:extLst>
               <a:ext uri="{FF2B5EF4-FFF2-40B4-BE49-F238E27FC236}">
-                <a16:creationId xmlns:a16="http://schemas.microsoft.com/office/drawing/2014/main" id="{C059C1FD-6F4A-079C-4C1D-7B2F594E2BAC}"/>
+                <a16:creationId xmlns:a16="http://schemas.microsoft.com/office/drawing/2014/main" id="{B7F40725-99B2-5180-C869-92238FE16EFE}"/>
               </a:ext>
             </a:extLst>
           </p:cNvPr>
@@ -2574,7 +2574,7 @@
           <p:cNvPr id="4" name="文本占位符 3">
             <a:extLst>
               <a:ext uri="{FF2B5EF4-FFF2-40B4-BE49-F238E27FC236}">
-                <a16:creationId xmlns:a16="http://schemas.microsoft.com/office/drawing/2014/main" id="{192BD04D-6093-8AF6-B666-D69BB7F95FDC}"/>
+                <a16:creationId xmlns:a16="http://schemas.microsoft.com/office/drawing/2014/main" id="{DB2426ED-86F2-DDB3-A817-64C3301D1170}"/>
               </a:ext>
             </a:extLst>
           </p:cNvPr>
@@ -2645,7 +2645,7 @@
           <p:cNvPr id="5" name="日期占位符 4">
             <a:extLst>
               <a:ext uri="{FF2B5EF4-FFF2-40B4-BE49-F238E27FC236}">
-                <a16:creationId xmlns:a16="http://schemas.microsoft.com/office/drawing/2014/main" id="{15EA6C05-A946-147F-4F49-43DA0DFEB9A9}"/>
+                <a16:creationId xmlns:a16="http://schemas.microsoft.com/office/drawing/2014/main" id="{6987198E-2AFA-BD1A-9FE0-ABC9C8FD7B6C}"/>
               </a:ext>
             </a:extLst>
           </p:cNvPr>
@@ -2661,7 +2661,7 @@
           <a:bodyPr/>
           <a:lstStyle/>
           <a:p>
-            <a:fld id="{C2E9AC2F-6F9E-4387-97F7-2AE0B2FA3F77}" type="datetimeFigureOut">
+            <a:fld id="{2BCDAB6A-76CE-48D8-9F5A-EE7801253394}" type="datetimeFigureOut">
               <a:rPr lang="zh-CN" altLang="en-US" smtClean="0"/>
               <a:t>2024/3/10</a:t>
             </a:fld>
@@ -2674,7 +2674,7 @@
           <p:cNvPr id="6" name="页脚占位符 5">
             <a:extLst>
               <a:ext uri="{FF2B5EF4-FFF2-40B4-BE49-F238E27FC236}">
-                <a16:creationId xmlns:a16="http://schemas.microsoft.com/office/drawing/2014/main" id="{0BE68502-060F-F416-C5CC-1538C7B8F810}"/>
+                <a16:creationId xmlns:a16="http://schemas.microsoft.com/office/drawing/2014/main" id="{F364E720-94A5-BED1-86ED-64BCC49DCE6C}"/>
               </a:ext>
             </a:extLst>
           </p:cNvPr>
@@ -2699,7 +2699,7 @@
           <p:cNvPr id="7" name="灯片编号占位符 6">
             <a:extLst>
               <a:ext uri="{FF2B5EF4-FFF2-40B4-BE49-F238E27FC236}">
-                <a16:creationId xmlns:a16="http://schemas.microsoft.com/office/drawing/2014/main" id="{7F32E0AD-F455-59D6-CABA-2CC3DA92D2CA}"/>
+                <a16:creationId xmlns:a16="http://schemas.microsoft.com/office/drawing/2014/main" id="{2A723B15-1E52-D1FD-045C-C5ADCEB7F793}"/>
               </a:ext>
             </a:extLst>
           </p:cNvPr>
@@ -2715,7 +2715,7 @@
           <a:bodyPr/>
           <a:lstStyle/>
           <a:p>
-            <a:fld id="{0EE971F3-A2DE-4889-B5D9-911CA0B71ADE}" type="slidenum">
+            <a:fld id="{AAA73837-63BE-4CA3-A8AF-A1E253169A41}" type="slidenum">
               <a:rPr lang="zh-CN" altLang="en-US" smtClean="0"/>
               <a:t>‹#›</a:t>
             </a:fld>
@@ -2726,7 +2726,7 @@
     </p:spTree>
     <p:extLst>
       <p:ext uri="{BB962C8B-B14F-4D97-AF65-F5344CB8AC3E}">
-        <p14:creationId xmlns:p14="http://schemas.microsoft.com/office/powerpoint/2010/main" val="3431865376"/>
+        <p14:creationId xmlns:p14="http://schemas.microsoft.com/office/powerpoint/2010/main" val="2122882750"/>
       </p:ext>
     </p:extLst>
   </p:cSld>
@@ -2763,7 +2763,7 @@
           <p:cNvPr id="2" name="标题占位符 1">
             <a:extLst>
               <a:ext uri="{FF2B5EF4-FFF2-40B4-BE49-F238E27FC236}">
-                <a16:creationId xmlns:a16="http://schemas.microsoft.com/office/drawing/2014/main" id="{74472325-5AF5-21DD-82FE-B1DC320504BC}"/>
+                <a16:creationId xmlns:a16="http://schemas.microsoft.com/office/drawing/2014/main" id="{6CAB1ABD-DAAA-9A61-938D-2DCC09BE74F6}"/>
               </a:ext>
             </a:extLst>
           </p:cNvPr>
@@ -2801,7 +2801,7 @@
           <p:cNvPr id="3" name="文本占位符 2">
             <a:extLst>
               <a:ext uri="{FF2B5EF4-FFF2-40B4-BE49-F238E27FC236}">
-                <a16:creationId xmlns:a16="http://schemas.microsoft.com/office/drawing/2014/main" id="{0BAD17FF-47A9-73FD-4903-0885F5DC68DE}"/>
+                <a16:creationId xmlns:a16="http://schemas.microsoft.com/office/drawing/2014/main" id="{7D86FA1A-D93C-1527-FE7C-99F705330333}"/>
               </a:ext>
             </a:extLst>
           </p:cNvPr>
@@ -2868,7 +2868,7 @@
           <p:cNvPr id="4" name="日期占位符 3">
             <a:extLst>
               <a:ext uri="{FF2B5EF4-FFF2-40B4-BE49-F238E27FC236}">
-                <a16:creationId xmlns:a16="http://schemas.microsoft.com/office/drawing/2014/main" id="{21344043-A70A-9F6D-AE1B-B94B2FFDD3AE}"/>
+                <a16:creationId xmlns:a16="http://schemas.microsoft.com/office/drawing/2014/main" id="{87E436A4-CAAF-B26D-56A5-8B91D3AD54AD}"/>
               </a:ext>
             </a:extLst>
           </p:cNvPr>
@@ -2902,7 +2902,7 @@
             </a:lvl1pPr>
           </a:lstStyle>
           <a:p>
-            <a:fld id="{C2E9AC2F-6F9E-4387-97F7-2AE0B2FA3F77}" type="datetimeFigureOut">
+            <a:fld id="{2BCDAB6A-76CE-48D8-9F5A-EE7801253394}" type="datetimeFigureOut">
               <a:rPr lang="zh-CN" altLang="en-US" smtClean="0"/>
               <a:t>2024/3/10</a:t>
             </a:fld>
@@ -2915,7 +2915,7 @@
           <p:cNvPr id="5" name="页脚占位符 4">
             <a:extLst>
               <a:ext uri="{FF2B5EF4-FFF2-40B4-BE49-F238E27FC236}">
-                <a16:creationId xmlns:a16="http://schemas.microsoft.com/office/drawing/2014/main" id="{F6B4866F-9BA8-4499-E46D-8E2B46473AC4}"/>
+                <a16:creationId xmlns:a16="http://schemas.microsoft.com/office/drawing/2014/main" id="{A2FC4177-1178-8ABB-A048-2A6DB8776503}"/>
               </a:ext>
             </a:extLst>
           </p:cNvPr>
@@ -2958,7 +2958,7 @@
           <p:cNvPr id="6" name="灯片编号占位符 5">
             <a:extLst>
               <a:ext uri="{FF2B5EF4-FFF2-40B4-BE49-F238E27FC236}">
-                <a16:creationId xmlns:a16="http://schemas.microsoft.com/office/drawing/2014/main" id="{3A5DE28C-E262-3F29-BB5A-73969E133873}"/>
+                <a16:creationId xmlns:a16="http://schemas.microsoft.com/office/drawing/2014/main" id="{D4364A43-4B97-5FD3-2E78-D76A4AC7CA74}"/>
               </a:ext>
             </a:extLst>
           </p:cNvPr>
@@ -2992,7 +2992,7 @@
             </a:lvl1pPr>
           </a:lstStyle>
           <a:p>
-            <a:fld id="{0EE971F3-A2DE-4889-B5D9-911CA0B71ADE}" type="slidenum">
+            <a:fld id="{AAA73837-63BE-4CA3-A8AF-A1E253169A41}" type="slidenum">
               <a:rPr lang="zh-CN" altLang="en-US" smtClean="0"/>
               <a:t>‹#›</a:t>
             </a:fld>
@@ -3003,7 +3003,7 @@
     </p:spTree>
     <p:extLst>
       <p:ext uri="{BB962C8B-B14F-4D97-AF65-F5344CB8AC3E}">
-        <p14:creationId xmlns:p14="http://schemas.microsoft.com/office/powerpoint/2010/main" val="751519491"/>
+        <p14:creationId xmlns:p14="http://schemas.microsoft.com/office/powerpoint/2010/main" val="2770037098"/>
       </p:ext>
     </p:extLst>
   </p:cSld>
@@ -3323,7 +3323,7 @@
       </p:grpSpPr>
       <p:pic>
         <p:nvPicPr>
-          <p:cNvPr id="908290" name="Picture 2" descr="886"/>
+          <p:cNvPr id="909314" name="Picture 2" descr="887"/>
           <p:cNvPicPr>
             <a:picLocks noChangeAspect="1" noChangeArrowheads="1"/>
           </p:cNvPicPr>
@@ -3344,8 +3344,8 @@
         </p:blipFill>
         <p:spPr bwMode="auto">
           <a:xfrm>
-            <a:off x="1524000" y="-15875"/>
-            <a:ext cx="9144000" cy="6832600"/>
+            <a:off x="1524001" y="0"/>
+            <a:ext cx="9053513" cy="6789738"/>
           </a:xfrm>
           <a:prstGeom prst="rect">
             <a:avLst/>
